--- a/Trouble-Shooting/TroubleShooting-springboot.pptx
+++ b/Trouble-Shooting/TroubleShooting-springboot.pptx
@@ -9,6 +9,13 @@
     <p:sldId id="257" r:id="rId3"/>
     <p:sldId id="258" r:id="rId4"/>
     <p:sldId id="259" r:id="rId5"/>
+    <p:sldId id="260" r:id="rId6"/>
+    <p:sldId id="262" r:id="rId7"/>
+    <p:sldId id="263" r:id="rId8"/>
+    <p:sldId id="264" r:id="rId9"/>
+    <p:sldId id="265" r:id="rId10"/>
+    <p:sldId id="266" r:id="rId11"/>
+    <p:sldId id="267" r:id="rId12"/>
   </p:sldIdLst>
   <p:sldSz cx="12192000" cy="6858000"/>
   <p:notesSz cx="6858000" cy="9144000"/>
@@ -107,6 +114,11 @@
       </a:defRPr>
     </a:lvl9pPr>
   </p:defaultTextStyle>
+  <p:extLst>
+    <p:ext uri="{EFAFB233-063F-42B5-8137-9DF3F51BA10A}">
+      <p15:sldGuideLst xmlns:p15="http://schemas.microsoft.com/office/powerpoint/2012/main"/>
+    </p:ext>
+  </p:extLst>
 </p:presentation>
 </file>
 
@@ -241,7 +253,7 @@
           <a:p>
             <a:fld id="{9141A5AD-3007-46E6-B7A9-33A4ED181327}" type="datetimeFigureOut">
               <a:rPr lang="ko-KR" altLang="en-US" smtClean="0"/>
-              <a:t>2020-01-19</a:t>
+              <a:t>2020-04-06</a:t>
             </a:fld>
             <a:endParaRPr lang="ko-KR" altLang="en-US"/>
           </a:p>
@@ -411,7 +423,7 @@
           <a:p>
             <a:fld id="{9141A5AD-3007-46E6-B7A9-33A4ED181327}" type="datetimeFigureOut">
               <a:rPr lang="ko-KR" altLang="en-US" smtClean="0"/>
-              <a:t>2020-01-19</a:t>
+              <a:t>2020-04-06</a:t>
             </a:fld>
             <a:endParaRPr lang="ko-KR" altLang="en-US"/>
           </a:p>
@@ -591,7 +603,7 @@
           <a:p>
             <a:fld id="{9141A5AD-3007-46E6-B7A9-33A4ED181327}" type="datetimeFigureOut">
               <a:rPr lang="ko-KR" altLang="en-US" smtClean="0"/>
-              <a:t>2020-01-19</a:t>
+              <a:t>2020-04-06</a:t>
             </a:fld>
             <a:endParaRPr lang="ko-KR" altLang="en-US"/>
           </a:p>
@@ -761,7 +773,7 @@
           <a:p>
             <a:fld id="{9141A5AD-3007-46E6-B7A9-33A4ED181327}" type="datetimeFigureOut">
               <a:rPr lang="ko-KR" altLang="en-US" smtClean="0"/>
-              <a:t>2020-01-19</a:t>
+              <a:t>2020-04-06</a:t>
             </a:fld>
             <a:endParaRPr lang="ko-KR" altLang="en-US"/>
           </a:p>
@@ -1007,7 +1019,7 @@
           <a:p>
             <a:fld id="{9141A5AD-3007-46E6-B7A9-33A4ED181327}" type="datetimeFigureOut">
               <a:rPr lang="ko-KR" altLang="en-US" smtClean="0"/>
-              <a:t>2020-01-19</a:t>
+              <a:t>2020-04-06</a:t>
             </a:fld>
             <a:endParaRPr lang="ko-KR" altLang="en-US"/>
           </a:p>
@@ -1239,7 +1251,7 @@
           <a:p>
             <a:fld id="{9141A5AD-3007-46E6-B7A9-33A4ED181327}" type="datetimeFigureOut">
               <a:rPr lang="ko-KR" altLang="en-US" smtClean="0"/>
-              <a:t>2020-01-19</a:t>
+              <a:t>2020-04-06</a:t>
             </a:fld>
             <a:endParaRPr lang="ko-KR" altLang="en-US"/>
           </a:p>
@@ -1606,7 +1618,7 @@
           <a:p>
             <a:fld id="{9141A5AD-3007-46E6-B7A9-33A4ED181327}" type="datetimeFigureOut">
               <a:rPr lang="ko-KR" altLang="en-US" smtClean="0"/>
-              <a:t>2020-01-19</a:t>
+              <a:t>2020-04-06</a:t>
             </a:fld>
             <a:endParaRPr lang="ko-KR" altLang="en-US"/>
           </a:p>
@@ -1724,7 +1736,7 @@
           <a:p>
             <a:fld id="{9141A5AD-3007-46E6-B7A9-33A4ED181327}" type="datetimeFigureOut">
               <a:rPr lang="ko-KR" altLang="en-US" smtClean="0"/>
-              <a:t>2020-01-19</a:t>
+              <a:t>2020-04-06</a:t>
             </a:fld>
             <a:endParaRPr lang="ko-KR" altLang="en-US"/>
           </a:p>
@@ -1819,7 +1831,7 @@
           <a:p>
             <a:fld id="{9141A5AD-3007-46E6-B7A9-33A4ED181327}" type="datetimeFigureOut">
               <a:rPr lang="ko-KR" altLang="en-US" smtClean="0"/>
-              <a:t>2020-01-19</a:t>
+              <a:t>2020-04-06</a:t>
             </a:fld>
             <a:endParaRPr lang="ko-KR" altLang="en-US"/>
           </a:p>
@@ -2096,7 +2108,7 @@
           <a:p>
             <a:fld id="{9141A5AD-3007-46E6-B7A9-33A4ED181327}" type="datetimeFigureOut">
               <a:rPr lang="ko-KR" altLang="en-US" smtClean="0"/>
-              <a:t>2020-01-19</a:t>
+              <a:t>2020-04-06</a:t>
             </a:fld>
             <a:endParaRPr lang="ko-KR" altLang="en-US"/>
           </a:p>
@@ -2349,7 +2361,7 @@
           <a:p>
             <a:fld id="{9141A5AD-3007-46E6-B7A9-33A4ED181327}" type="datetimeFigureOut">
               <a:rPr lang="ko-KR" altLang="en-US" smtClean="0"/>
-              <a:t>2020-01-19</a:t>
+              <a:t>2020-04-06</a:t>
             </a:fld>
             <a:endParaRPr lang="ko-KR" altLang="en-US"/>
           </a:p>
@@ -2562,7 +2574,7 @@
           <a:p>
             <a:fld id="{9141A5AD-3007-46E6-B7A9-33A4ED181327}" type="datetimeFigureOut">
               <a:rPr lang="ko-KR" altLang="en-US" smtClean="0"/>
-              <a:t>2020-01-19</a:t>
+              <a:t>2020-04-06</a:t>
             </a:fld>
             <a:endParaRPr lang="ko-KR" altLang="en-US"/>
           </a:p>
@@ -3096,6 +3108,66 @@
 </p:sld>
 </file>
 
+<file path=ppt/slides/slide10.xml><?xml version="1.0" encoding="utf-8"?>
+<p:sld xmlns:a="http://schemas.openxmlformats.org/drawingml/2006/main" xmlns:r="http://schemas.openxmlformats.org/officeDocument/2006/relationships" xmlns:p="http://schemas.openxmlformats.org/presentationml/2006/main">
+  <p:cSld>
+    <p:spTree>
+      <p:nvGrpSpPr>
+        <p:cNvPr id="1" name=""/>
+        <p:cNvGrpSpPr/>
+        <p:nvPr/>
+      </p:nvGrpSpPr>
+      <p:grpSpPr>
+        <a:xfrm>
+          <a:off x="0" y="0"/>
+          <a:ext cx="0" cy="0"/>
+          <a:chOff x="0" y="0"/>
+          <a:chExt cx="0" cy="0"/>
+        </a:xfrm>
+      </p:grpSpPr>
+    </p:spTree>
+    <p:extLst>
+      <p:ext uri="{BB962C8B-B14F-4D97-AF65-F5344CB8AC3E}">
+        <p14:creationId xmlns:p14="http://schemas.microsoft.com/office/powerpoint/2010/main" val="197998567"/>
+      </p:ext>
+    </p:extLst>
+  </p:cSld>
+  <p:clrMapOvr>
+    <a:masterClrMapping/>
+  </p:clrMapOvr>
+</p:sld>
+</file>
+
+<file path=ppt/slides/slide11.xml><?xml version="1.0" encoding="utf-8"?>
+<p:sld xmlns:a="http://schemas.openxmlformats.org/drawingml/2006/main" xmlns:r="http://schemas.openxmlformats.org/officeDocument/2006/relationships" xmlns:p="http://schemas.openxmlformats.org/presentationml/2006/main">
+  <p:cSld>
+    <p:spTree>
+      <p:nvGrpSpPr>
+        <p:cNvPr id="1" name=""/>
+        <p:cNvGrpSpPr/>
+        <p:nvPr/>
+      </p:nvGrpSpPr>
+      <p:grpSpPr>
+        <a:xfrm>
+          <a:off x="0" y="0"/>
+          <a:ext cx="0" cy="0"/>
+          <a:chOff x="0" y="0"/>
+          <a:chExt cx="0" cy="0"/>
+        </a:xfrm>
+      </p:grpSpPr>
+    </p:spTree>
+    <p:extLst>
+      <p:ext uri="{BB962C8B-B14F-4D97-AF65-F5344CB8AC3E}">
+        <p14:creationId xmlns:p14="http://schemas.microsoft.com/office/powerpoint/2010/main" val="392786630"/>
+      </p:ext>
+    </p:extLst>
+  </p:cSld>
+  <p:clrMapOvr>
+    <a:masterClrMapping/>
+  </p:clrMapOvr>
+</p:sld>
+</file>
+
 <file path=ppt/slides/slide2.xml><?xml version="1.0" encoding="utf-8"?>
 <p:sld xmlns:a="http://schemas.openxmlformats.org/drawingml/2006/main" xmlns:r="http://schemas.openxmlformats.org/officeDocument/2006/relationships" xmlns:p="http://schemas.openxmlformats.org/presentationml/2006/main">
   <p:cSld>
@@ -3433,6 +3505,458 @@
     <p:extLst>
       <p:ext uri="{BB962C8B-B14F-4D97-AF65-F5344CB8AC3E}">
         <p14:creationId xmlns:p14="http://schemas.microsoft.com/office/powerpoint/2010/main" val="4259997342"/>
+      </p:ext>
+    </p:extLst>
+  </p:cSld>
+  <p:clrMapOvr>
+    <a:masterClrMapping/>
+  </p:clrMapOvr>
+</p:sld>
+</file>
+
+<file path=ppt/slides/slide5.xml><?xml version="1.0" encoding="utf-8"?>
+<p:sld xmlns:a="http://schemas.openxmlformats.org/drawingml/2006/main" xmlns:r="http://schemas.openxmlformats.org/officeDocument/2006/relationships" xmlns:p="http://schemas.openxmlformats.org/presentationml/2006/main">
+  <p:cSld>
+    <p:spTree>
+      <p:nvGrpSpPr>
+        <p:cNvPr id="1" name=""/>
+        <p:cNvGrpSpPr/>
+        <p:nvPr/>
+      </p:nvGrpSpPr>
+      <p:grpSpPr>
+        <a:xfrm>
+          <a:off x="0" y="0"/>
+          <a:ext cx="0" cy="0"/>
+          <a:chOff x="0" y="0"/>
+          <a:chExt cx="0" cy="0"/>
+        </a:xfrm>
+      </p:grpSpPr>
+      <p:pic>
+        <p:nvPicPr>
+          <p:cNvPr id="2" name="그림 1"/>
+          <p:cNvPicPr>
+            <a:picLocks noChangeAspect="1"/>
+          </p:cNvPicPr>
+          <p:nvPr/>
+        </p:nvPicPr>
+        <p:blipFill>
+          <a:blip r:embed="rId2"/>
+          <a:stretch>
+            <a:fillRect/>
+          </a:stretch>
+        </p:blipFill>
+        <p:spPr>
+          <a:xfrm>
+            <a:off x="-253866" y="104503"/>
+            <a:ext cx="2615205" cy="6858000"/>
+          </a:xfrm>
+          <a:prstGeom prst="rect">
+            <a:avLst/>
+          </a:prstGeom>
+        </p:spPr>
+      </p:pic>
+      <p:sp>
+        <p:nvSpPr>
+          <p:cNvPr id="7" name="직사각형 6"/>
+          <p:cNvSpPr/>
+          <p:nvPr/>
+        </p:nvSpPr>
+        <p:spPr>
+          <a:xfrm>
+            <a:off x="836022" y="5643154"/>
+            <a:ext cx="650966" cy="150588"/>
+          </a:xfrm>
+          <a:prstGeom prst="rect">
+            <a:avLst/>
+          </a:prstGeom>
+          <a:noFill/>
+          <a:ln w="38100">
+            <a:solidFill>
+              <a:srgbClr val="FF0000"/>
+            </a:solidFill>
+          </a:ln>
+        </p:spPr>
+        <p:style>
+          <a:lnRef idx="2">
+            <a:schemeClr val="accent1">
+              <a:shade val="50000"/>
+            </a:schemeClr>
+          </a:lnRef>
+          <a:fillRef idx="1">
+            <a:schemeClr val="accent1"/>
+          </a:fillRef>
+          <a:effectRef idx="0">
+            <a:schemeClr val="accent1"/>
+          </a:effectRef>
+          <a:fontRef idx="minor">
+            <a:schemeClr val="lt1"/>
+          </a:fontRef>
+        </p:style>
+        <p:txBody>
+          <a:bodyPr rtlCol="0" anchor="ctr"/>
+          <a:lstStyle/>
+          <a:p>
+            <a:pPr algn="ctr"/>
+            <a:endParaRPr lang="ko-KR" altLang="en-US"/>
+          </a:p>
+        </p:txBody>
+      </p:sp>
+      <p:sp>
+        <p:nvSpPr>
+          <p:cNvPr id="8" name="직사각형 7"/>
+          <p:cNvSpPr/>
+          <p:nvPr/>
+        </p:nvSpPr>
+        <p:spPr>
+          <a:xfrm>
+            <a:off x="4049484" y="5090159"/>
+            <a:ext cx="888275" cy="187235"/>
+          </a:xfrm>
+          <a:prstGeom prst="rect">
+            <a:avLst/>
+          </a:prstGeom>
+          <a:noFill/>
+          <a:ln w="38100">
+            <a:solidFill>
+              <a:srgbClr val="FF0000"/>
+            </a:solidFill>
+          </a:ln>
+        </p:spPr>
+        <p:style>
+          <a:lnRef idx="2">
+            <a:schemeClr val="accent1">
+              <a:shade val="50000"/>
+            </a:schemeClr>
+          </a:lnRef>
+          <a:fillRef idx="1">
+            <a:schemeClr val="accent1"/>
+          </a:fillRef>
+          <a:effectRef idx="0">
+            <a:schemeClr val="accent1"/>
+          </a:effectRef>
+          <a:fontRef idx="minor">
+            <a:schemeClr val="lt1"/>
+          </a:fontRef>
+        </p:style>
+        <p:txBody>
+          <a:bodyPr rtlCol="0" anchor="ctr"/>
+          <a:lstStyle/>
+          <a:p>
+            <a:pPr algn="ctr"/>
+            <a:endParaRPr lang="ko-KR" altLang="en-US"/>
+          </a:p>
+        </p:txBody>
+      </p:sp>
+      <p:pic>
+        <p:nvPicPr>
+          <p:cNvPr id="3" name="그림 2"/>
+          <p:cNvPicPr>
+            <a:picLocks noChangeAspect="1"/>
+          </p:cNvPicPr>
+          <p:nvPr/>
+        </p:nvPicPr>
+        <p:blipFill>
+          <a:blip r:embed="rId3"/>
+          <a:stretch>
+            <a:fillRect/>
+          </a:stretch>
+        </p:blipFill>
+        <p:spPr>
+          <a:xfrm>
+            <a:off x="7981845" y="2754510"/>
+            <a:ext cx="3439005" cy="1714739"/>
+          </a:xfrm>
+          <a:prstGeom prst="rect">
+            <a:avLst/>
+          </a:prstGeom>
+        </p:spPr>
+      </p:pic>
+      <p:pic>
+        <p:nvPicPr>
+          <p:cNvPr id="10" name="그림 9"/>
+          <p:cNvPicPr>
+            <a:picLocks noChangeAspect="1"/>
+          </p:cNvPicPr>
+          <p:nvPr/>
+        </p:nvPicPr>
+        <p:blipFill>
+          <a:blip r:embed="rId4"/>
+          <a:stretch>
+            <a:fillRect/>
+          </a:stretch>
+        </p:blipFill>
+        <p:spPr>
+          <a:xfrm>
+            <a:off x="3824831" y="2754510"/>
+            <a:ext cx="3915321" cy="1743318"/>
+          </a:xfrm>
+          <a:prstGeom prst="rect">
+            <a:avLst/>
+          </a:prstGeom>
+        </p:spPr>
+      </p:pic>
+      <p:sp>
+        <p:nvSpPr>
+          <p:cNvPr id="11" name="직사각형 10"/>
+          <p:cNvSpPr/>
+          <p:nvPr/>
+        </p:nvSpPr>
+        <p:spPr>
+          <a:xfrm>
+            <a:off x="4283316" y="3126376"/>
+            <a:ext cx="888275" cy="187235"/>
+          </a:xfrm>
+          <a:prstGeom prst="rect">
+            <a:avLst/>
+          </a:prstGeom>
+          <a:noFill/>
+          <a:ln w="38100">
+            <a:solidFill>
+              <a:srgbClr val="FF0000"/>
+            </a:solidFill>
+          </a:ln>
+        </p:spPr>
+        <p:style>
+          <a:lnRef idx="2">
+            <a:schemeClr val="accent1">
+              <a:shade val="50000"/>
+            </a:schemeClr>
+          </a:lnRef>
+          <a:fillRef idx="1">
+            <a:schemeClr val="accent1"/>
+          </a:fillRef>
+          <a:effectRef idx="0">
+            <a:schemeClr val="accent1"/>
+          </a:effectRef>
+          <a:fontRef idx="minor">
+            <a:schemeClr val="lt1"/>
+          </a:fontRef>
+        </p:style>
+        <p:txBody>
+          <a:bodyPr rtlCol="0" anchor="ctr"/>
+          <a:lstStyle/>
+          <a:p>
+            <a:pPr algn="ctr"/>
+            <a:endParaRPr lang="ko-KR" altLang="en-US"/>
+          </a:p>
+        </p:txBody>
+      </p:sp>
+      <p:sp>
+        <p:nvSpPr>
+          <p:cNvPr id="12" name="직사각형 11"/>
+          <p:cNvSpPr/>
+          <p:nvPr/>
+        </p:nvSpPr>
+        <p:spPr>
+          <a:xfrm>
+            <a:off x="4283316" y="3074124"/>
+            <a:ext cx="888275" cy="187235"/>
+          </a:xfrm>
+          <a:prstGeom prst="rect">
+            <a:avLst/>
+          </a:prstGeom>
+          <a:noFill/>
+          <a:ln w="38100">
+            <a:solidFill>
+              <a:srgbClr val="FF0000"/>
+            </a:solidFill>
+          </a:ln>
+        </p:spPr>
+        <p:style>
+          <a:lnRef idx="2">
+            <a:schemeClr val="accent1">
+              <a:shade val="50000"/>
+            </a:schemeClr>
+          </a:lnRef>
+          <a:fillRef idx="1">
+            <a:schemeClr val="accent1"/>
+          </a:fillRef>
+          <a:effectRef idx="0">
+            <a:schemeClr val="accent1"/>
+          </a:effectRef>
+          <a:fontRef idx="minor">
+            <a:schemeClr val="lt1"/>
+          </a:fontRef>
+        </p:style>
+        <p:txBody>
+          <a:bodyPr rtlCol="0" anchor="ctr"/>
+          <a:lstStyle/>
+          <a:p>
+            <a:pPr algn="ctr"/>
+            <a:endParaRPr lang="ko-KR" altLang="en-US"/>
+          </a:p>
+        </p:txBody>
+      </p:sp>
+      <p:sp>
+        <p:nvSpPr>
+          <p:cNvPr id="13" name="직사각형 12"/>
+          <p:cNvSpPr/>
+          <p:nvPr/>
+        </p:nvSpPr>
+        <p:spPr>
+          <a:xfrm>
+            <a:off x="8181447" y="3069769"/>
+            <a:ext cx="1182294" cy="187235"/>
+          </a:xfrm>
+          <a:prstGeom prst="rect">
+            <a:avLst/>
+          </a:prstGeom>
+          <a:noFill/>
+          <a:ln w="38100">
+            <a:solidFill>
+              <a:srgbClr val="FF0000"/>
+            </a:solidFill>
+          </a:ln>
+        </p:spPr>
+        <p:style>
+          <a:lnRef idx="2">
+            <a:schemeClr val="accent1">
+              <a:shade val="50000"/>
+            </a:schemeClr>
+          </a:lnRef>
+          <a:fillRef idx="1">
+            <a:schemeClr val="accent1"/>
+          </a:fillRef>
+          <a:effectRef idx="0">
+            <a:schemeClr val="accent1"/>
+          </a:effectRef>
+          <a:fontRef idx="minor">
+            <a:schemeClr val="lt1"/>
+          </a:fontRef>
+        </p:style>
+        <p:txBody>
+          <a:bodyPr rtlCol="0" anchor="ctr"/>
+          <a:lstStyle/>
+          <a:p>
+            <a:pPr algn="ctr"/>
+            <a:endParaRPr lang="ko-KR" altLang="en-US"/>
+          </a:p>
+        </p:txBody>
+      </p:sp>
+    </p:spTree>
+    <p:extLst>
+      <p:ext uri="{BB962C8B-B14F-4D97-AF65-F5344CB8AC3E}">
+        <p14:creationId xmlns:p14="http://schemas.microsoft.com/office/powerpoint/2010/main" val="3962647498"/>
+      </p:ext>
+    </p:extLst>
+  </p:cSld>
+  <p:clrMapOvr>
+    <a:masterClrMapping/>
+  </p:clrMapOvr>
+</p:sld>
+</file>
+
+<file path=ppt/slides/slide6.xml><?xml version="1.0" encoding="utf-8"?>
+<p:sld xmlns:a="http://schemas.openxmlformats.org/drawingml/2006/main" xmlns:r="http://schemas.openxmlformats.org/officeDocument/2006/relationships" xmlns:p="http://schemas.openxmlformats.org/presentationml/2006/main">
+  <p:cSld>
+    <p:spTree>
+      <p:nvGrpSpPr>
+        <p:cNvPr id="1" name=""/>
+        <p:cNvGrpSpPr/>
+        <p:nvPr/>
+      </p:nvGrpSpPr>
+      <p:grpSpPr>
+        <a:xfrm>
+          <a:off x="0" y="0"/>
+          <a:ext cx="0" cy="0"/>
+          <a:chOff x="0" y="0"/>
+          <a:chExt cx="0" cy="0"/>
+        </a:xfrm>
+      </p:grpSpPr>
+    </p:spTree>
+    <p:extLst>
+      <p:ext uri="{BB962C8B-B14F-4D97-AF65-F5344CB8AC3E}">
+        <p14:creationId xmlns:p14="http://schemas.microsoft.com/office/powerpoint/2010/main" val="1514233300"/>
+      </p:ext>
+    </p:extLst>
+  </p:cSld>
+  <p:clrMapOvr>
+    <a:masterClrMapping/>
+  </p:clrMapOvr>
+</p:sld>
+</file>
+
+<file path=ppt/slides/slide7.xml><?xml version="1.0" encoding="utf-8"?>
+<p:sld xmlns:a="http://schemas.openxmlformats.org/drawingml/2006/main" xmlns:r="http://schemas.openxmlformats.org/officeDocument/2006/relationships" xmlns:p="http://schemas.openxmlformats.org/presentationml/2006/main">
+  <p:cSld>
+    <p:spTree>
+      <p:nvGrpSpPr>
+        <p:cNvPr id="1" name=""/>
+        <p:cNvGrpSpPr/>
+        <p:nvPr/>
+      </p:nvGrpSpPr>
+      <p:grpSpPr>
+        <a:xfrm>
+          <a:off x="0" y="0"/>
+          <a:ext cx="0" cy="0"/>
+          <a:chOff x="0" y="0"/>
+          <a:chExt cx="0" cy="0"/>
+        </a:xfrm>
+      </p:grpSpPr>
+    </p:spTree>
+    <p:extLst>
+      <p:ext uri="{BB962C8B-B14F-4D97-AF65-F5344CB8AC3E}">
+        <p14:creationId xmlns:p14="http://schemas.microsoft.com/office/powerpoint/2010/main" val="356379827"/>
+      </p:ext>
+    </p:extLst>
+  </p:cSld>
+  <p:clrMapOvr>
+    <a:masterClrMapping/>
+  </p:clrMapOvr>
+</p:sld>
+</file>
+
+<file path=ppt/slides/slide8.xml><?xml version="1.0" encoding="utf-8"?>
+<p:sld xmlns:a="http://schemas.openxmlformats.org/drawingml/2006/main" xmlns:r="http://schemas.openxmlformats.org/officeDocument/2006/relationships" xmlns:p="http://schemas.openxmlformats.org/presentationml/2006/main">
+  <p:cSld>
+    <p:spTree>
+      <p:nvGrpSpPr>
+        <p:cNvPr id="1" name=""/>
+        <p:cNvGrpSpPr/>
+        <p:nvPr/>
+      </p:nvGrpSpPr>
+      <p:grpSpPr>
+        <a:xfrm>
+          <a:off x="0" y="0"/>
+          <a:ext cx="0" cy="0"/>
+          <a:chOff x="0" y="0"/>
+          <a:chExt cx="0" cy="0"/>
+        </a:xfrm>
+      </p:grpSpPr>
+    </p:spTree>
+    <p:extLst>
+      <p:ext uri="{BB962C8B-B14F-4D97-AF65-F5344CB8AC3E}">
+        <p14:creationId xmlns:p14="http://schemas.microsoft.com/office/powerpoint/2010/main" val="2777502924"/>
+      </p:ext>
+    </p:extLst>
+  </p:cSld>
+  <p:clrMapOvr>
+    <a:masterClrMapping/>
+  </p:clrMapOvr>
+</p:sld>
+</file>
+
+<file path=ppt/slides/slide9.xml><?xml version="1.0" encoding="utf-8"?>
+<p:sld xmlns:a="http://schemas.openxmlformats.org/drawingml/2006/main" xmlns:r="http://schemas.openxmlformats.org/officeDocument/2006/relationships" xmlns:p="http://schemas.openxmlformats.org/presentationml/2006/main">
+  <p:cSld>
+    <p:spTree>
+      <p:nvGrpSpPr>
+        <p:cNvPr id="1" name=""/>
+        <p:cNvGrpSpPr/>
+        <p:nvPr/>
+      </p:nvGrpSpPr>
+      <p:grpSpPr>
+        <a:xfrm>
+          <a:off x="0" y="0"/>
+          <a:ext cx="0" cy="0"/>
+          <a:chOff x="0" y="0"/>
+          <a:chExt cx="0" cy="0"/>
+        </a:xfrm>
+      </p:grpSpPr>
+    </p:spTree>
+    <p:extLst>
+      <p:ext uri="{BB962C8B-B14F-4D97-AF65-F5344CB8AC3E}">
+        <p14:creationId xmlns:p14="http://schemas.microsoft.com/office/powerpoint/2010/main" val="2261844351"/>
       </p:ext>
     </p:extLst>
   </p:cSld>

--- a/Trouble-Shooting/TroubleShooting-springboot.pptx
+++ b/Trouble-Shooting/TroubleShooting-springboot.pptx
@@ -16,6 +16,24 @@
     <p:sldId id="265" r:id="rId10"/>
     <p:sldId id="266" r:id="rId11"/>
     <p:sldId id="267" r:id="rId12"/>
+    <p:sldId id="268" r:id="rId13"/>
+    <p:sldId id="269" r:id="rId14"/>
+    <p:sldId id="270" r:id="rId15"/>
+    <p:sldId id="271" r:id="rId16"/>
+    <p:sldId id="272" r:id="rId17"/>
+    <p:sldId id="273" r:id="rId18"/>
+    <p:sldId id="274" r:id="rId19"/>
+    <p:sldId id="275" r:id="rId20"/>
+    <p:sldId id="276" r:id="rId21"/>
+    <p:sldId id="277" r:id="rId22"/>
+    <p:sldId id="278" r:id="rId23"/>
+    <p:sldId id="279" r:id="rId24"/>
+    <p:sldId id="280" r:id="rId25"/>
+    <p:sldId id="281" r:id="rId26"/>
+    <p:sldId id="282" r:id="rId27"/>
+    <p:sldId id="283" r:id="rId28"/>
+    <p:sldId id="284" r:id="rId29"/>
+    <p:sldId id="285" r:id="rId30"/>
   </p:sldIdLst>
   <p:sldSz cx="12192000" cy="6858000"/>
   <p:notesSz cx="6858000" cy="9144000"/>
@@ -253,7 +271,7 @@
           <a:p>
             <a:fld id="{9141A5AD-3007-46E6-B7A9-33A4ED181327}" type="datetimeFigureOut">
               <a:rPr lang="ko-KR" altLang="en-US" smtClean="0"/>
-              <a:t>2020-04-06</a:t>
+              <a:t>2020-05-24</a:t>
             </a:fld>
             <a:endParaRPr lang="ko-KR" altLang="en-US"/>
           </a:p>
@@ -423,7 +441,7 @@
           <a:p>
             <a:fld id="{9141A5AD-3007-46E6-B7A9-33A4ED181327}" type="datetimeFigureOut">
               <a:rPr lang="ko-KR" altLang="en-US" smtClean="0"/>
-              <a:t>2020-04-06</a:t>
+              <a:t>2020-05-24</a:t>
             </a:fld>
             <a:endParaRPr lang="ko-KR" altLang="en-US"/>
           </a:p>
@@ -603,7 +621,7 @@
           <a:p>
             <a:fld id="{9141A5AD-3007-46E6-B7A9-33A4ED181327}" type="datetimeFigureOut">
               <a:rPr lang="ko-KR" altLang="en-US" smtClean="0"/>
-              <a:t>2020-04-06</a:t>
+              <a:t>2020-05-24</a:t>
             </a:fld>
             <a:endParaRPr lang="ko-KR" altLang="en-US"/>
           </a:p>
@@ -773,7 +791,7 @@
           <a:p>
             <a:fld id="{9141A5AD-3007-46E6-B7A9-33A4ED181327}" type="datetimeFigureOut">
               <a:rPr lang="ko-KR" altLang="en-US" smtClean="0"/>
-              <a:t>2020-04-06</a:t>
+              <a:t>2020-05-24</a:t>
             </a:fld>
             <a:endParaRPr lang="ko-KR" altLang="en-US"/>
           </a:p>
@@ -1019,7 +1037,7 @@
           <a:p>
             <a:fld id="{9141A5AD-3007-46E6-B7A9-33A4ED181327}" type="datetimeFigureOut">
               <a:rPr lang="ko-KR" altLang="en-US" smtClean="0"/>
-              <a:t>2020-04-06</a:t>
+              <a:t>2020-05-24</a:t>
             </a:fld>
             <a:endParaRPr lang="ko-KR" altLang="en-US"/>
           </a:p>
@@ -1251,7 +1269,7 @@
           <a:p>
             <a:fld id="{9141A5AD-3007-46E6-B7A9-33A4ED181327}" type="datetimeFigureOut">
               <a:rPr lang="ko-KR" altLang="en-US" smtClean="0"/>
-              <a:t>2020-04-06</a:t>
+              <a:t>2020-05-24</a:t>
             </a:fld>
             <a:endParaRPr lang="ko-KR" altLang="en-US"/>
           </a:p>
@@ -1618,7 +1636,7 @@
           <a:p>
             <a:fld id="{9141A5AD-3007-46E6-B7A9-33A4ED181327}" type="datetimeFigureOut">
               <a:rPr lang="ko-KR" altLang="en-US" smtClean="0"/>
-              <a:t>2020-04-06</a:t>
+              <a:t>2020-05-24</a:t>
             </a:fld>
             <a:endParaRPr lang="ko-KR" altLang="en-US"/>
           </a:p>
@@ -1736,7 +1754,7 @@
           <a:p>
             <a:fld id="{9141A5AD-3007-46E6-B7A9-33A4ED181327}" type="datetimeFigureOut">
               <a:rPr lang="ko-KR" altLang="en-US" smtClean="0"/>
-              <a:t>2020-04-06</a:t>
+              <a:t>2020-05-24</a:t>
             </a:fld>
             <a:endParaRPr lang="ko-KR" altLang="en-US"/>
           </a:p>
@@ -1831,7 +1849,7 @@
           <a:p>
             <a:fld id="{9141A5AD-3007-46E6-B7A9-33A4ED181327}" type="datetimeFigureOut">
               <a:rPr lang="ko-KR" altLang="en-US" smtClean="0"/>
-              <a:t>2020-04-06</a:t>
+              <a:t>2020-05-24</a:t>
             </a:fld>
             <a:endParaRPr lang="ko-KR" altLang="en-US"/>
           </a:p>
@@ -2108,7 +2126,7 @@
           <a:p>
             <a:fld id="{9141A5AD-3007-46E6-B7A9-33A4ED181327}" type="datetimeFigureOut">
               <a:rPr lang="ko-KR" altLang="en-US" smtClean="0"/>
-              <a:t>2020-04-06</a:t>
+              <a:t>2020-05-24</a:t>
             </a:fld>
             <a:endParaRPr lang="ko-KR" altLang="en-US"/>
           </a:p>
@@ -2361,7 +2379,7 @@
           <a:p>
             <a:fld id="{9141A5AD-3007-46E6-B7A9-33A4ED181327}" type="datetimeFigureOut">
               <a:rPr lang="ko-KR" altLang="en-US" smtClean="0"/>
-              <a:t>2020-04-06</a:t>
+              <a:t>2020-05-24</a:t>
             </a:fld>
             <a:endParaRPr lang="ko-KR" altLang="en-US"/>
           </a:p>
@@ -2574,7 +2592,7 @@
           <a:p>
             <a:fld id="{9141A5AD-3007-46E6-B7A9-33A4ED181327}" type="datetimeFigureOut">
               <a:rPr lang="ko-KR" altLang="en-US" smtClean="0"/>
-              <a:t>2020-04-06</a:t>
+              <a:t>2020-05-24</a:t>
             </a:fld>
             <a:endParaRPr lang="ko-KR" altLang="en-US"/>
           </a:p>
@@ -3168,6 +3186,246 @@
 </p:sld>
 </file>
 
+<file path=ppt/slides/slide12.xml><?xml version="1.0" encoding="utf-8"?>
+<p:sld xmlns:a="http://schemas.openxmlformats.org/drawingml/2006/main" xmlns:r="http://schemas.openxmlformats.org/officeDocument/2006/relationships" xmlns:p="http://schemas.openxmlformats.org/presentationml/2006/main">
+  <p:cSld>
+    <p:spTree>
+      <p:nvGrpSpPr>
+        <p:cNvPr id="1" name=""/>
+        <p:cNvGrpSpPr/>
+        <p:nvPr/>
+      </p:nvGrpSpPr>
+      <p:grpSpPr>
+        <a:xfrm>
+          <a:off x="0" y="0"/>
+          <a:ext cx="0" cy="0"/>
+          <a:chOff x="0" y="0"/>
+          <a:chExt cx="0" cy="0"/>
+        </a:xfrm>
+      </p:grpSpPr>
+    </p:spTree>
+    <p:extLst>
+      <p:ext uri="{BB962C8B-B14F-4D97-AF65-F5344CB8AC3E}">
+        <p14:creationId xmlns:p14="http://schemas.microsoft.com/office/powerpoint/2010/main" val="823400789"/>
+      </p:ext>
+    </p:extLst>
+  </p:cSld>
+  <p:clrMapOvr>
+    <a:masterClrMapping/>
+  </p:clrMapOvr>
+</p:sld>
+</file>
+
+<file path=ppt/slides/slide13.xml><?xml version="1.0" encoding="utf-8"?>
+<p:sld xmlns:a="http://schemas.openxmlformats.org/drawingml/2006/main" xmlns:r="http://schemas.openxmlformats.org/officeDocument/2006/relationships" xmlns:p="http://schemas.openxmlformats.org/presentationml/2006/main">
+  <p:cSld>
+    <p:spTree>
+      <p:nvGrpSpPr>
+        <p:cNvPr id="1" name=""/>
+        <p:cNvGrpSpPr/>
+        <p:nvPr/>
+      </p:nvGrpSpPr>
+      <p:grpSpPr>
+        <a:xfrm>
+          <a:off x="0" y="0"/>
+          <a:ext cx="0" cy="0"/>
+          <a:chOff x="0" y="0"/>
+          <a:chExt cx="0" cy="0"/>
+        </a:xfrm>
+      </p:grpSpPr>
+    </p:spTree>
+    <p:extLst>
+      <p:ext uri="{BB962C8B-B14F-4D97-AF65-F5344CB8AC3E}">
+        <p14:creationId xmlns:p14="http://schemas.microsoft.com/office/powerpoint/2010/main" val="1287405927"/>
+      </p:ext>
+    </p:extLst>
+  </p:cSld>
+  <p:clrMapOvr>
+    <a:masterClrMapping/>
+  </p:clrMapOvr>
+</p:sld>
+</file>
+
+<file path=ppt/slides/slide14.xml><?xml version="1.0" encoding="utf-8"?>
+<p:sld xmlns:a="http://schemas.openxmlformats.org/drawingml/2006/main" xmlns:r="http://schemas.openxmlformats.org/officeDocument/2006/relationships" xmlns:p="http://schemas.openxmlformats.org/presentationml/2006/main">
+  <p:cSld>
+    <p:spTree>
+      <p:nvGrpSpPr>
+        <p:cNvPr id="1" name=""/>
+        <p:cNvGrpSpPr/>
+        <p:nvPr/>
+      </p:nvGrpSpPr>
+      <p:grpSpPr>
+        <a:xfrm>
+          <a:off x="0" y="0"/>
+          <a:ext cx="0" cy="0"/>
+          <a:chOff x="0" y="0"/>
+          <a:chExt cx="0" cy="0"/>
+        </a:xfrm>
+      </p:grpSpPr>
+    </p:spTree>
+    <p:extLst>
+      <p:ext uri="{BB962C8B-B14F-4D97-AF65-F5344CB8AC3E}">
+        <p14:creationId xmlns:p14="http://schemas.microsoft.com/office/powerpoint/2010/main" val="3287880238"/>
+      </p:ext>
+    </p:extLst>
+  </p:cSld>
+  <p:clrMapOvr>
+    <a:masterClrMapping/>
+  </p:clrMapOvr>
+</p:sld>
+</file>
+
+<file path=ppt/slides/slide15.xml><?xml version="1.0" encoding="utf-8"?>
+<p:sld xmlns:a="http://schemas.openxmlformats.org/drawingml/2006/main" xmlns:r="http://schemas.openxmlformats.org/officeDocument/2006/relationships" xmlns:p="http://schemas.openxmlformats.org/presentationml/2006/main">
+  <p:cSld>
+    <p:spTree>
+      <p:nvGrpSpPr>
+        <p:cNvPr id="1" name=""/>
+        <p:cNvGrpSpPr/>
+        <p:nvPr/>
+      </p:nvGrpSpPr>
+      <p:grpSpPr>
+        <a:xfrm>
+          <a:off x="0" y="0"/>
+          <a:ext cx="0" cy="0"/>
+          <a:chOff x="0" y="0"/>
+          <a:chExt cx="0" cy="0"/>
+        </a:xfrm>
+      </p:grpSpPr>
+    </p:spTree>
+    <p:extLst>
+      <p:ext uri="{BB962C8B-B14F-4D97-AF65-F5344CB8AC3E}">
+        <p14:creationId xmlns:p14="http://schemas.microsoft.com/office/powerpoint/2010/main" val="2074504215"/>
+      </p:ext>
+    </p:extLst>
+  </p:cSld>
+  <p:clrMapOvr>
+    <a:masterClrMapping/>
+  </p:clrMapOvr>
+</p:sld>
+</file>
+
+<file path=ppt/slides/slide16.xml><?xml version="1.0" encoding="utf-8"?>
+<p:sld xmlns:a="http://schemas.openxmlformats.org/drawingml/2006/main" xmlns:r="http://schemas.openxmlformats.org/officeDocument/2006/relationships" xmlns:p="http://schemas.openxmlformats.org/presentationml/2006/main">
+  <p:cSld>
+    <p:spTree>
+      <p:nvGrpSpPr>
+        <p:cNvPr id="1" name=""/>
+        <p:cNvGrpSpPr/>
+        <p:nvPr/>
+      </p:nvGrpSpPr>
+      <p:grpSpPr>
+        <a:xfrm>
+          <a:off x="0" y="0"/>
+          <a:ext cx="0" cy="0"/>
+          <a:chOff x="0" y="0"/>
+          <a:chExt cx="0" cy="0"/>
+        </a:xfrm>
+      </p:grpSpPr>
+    </p:spTree>
+    <p:extLst>
+      <p:ext uri="{BB962C8B-B14F-4D97-AF65-F5344CB8AC3E}">
+        <p14:creationId xmlns:p14="http://schemas.microsoft.com/office/powerpoint/2010/main" val="3456971906"/>
+      </p:ext>
+    </p:extLst>
+  </p:cSld>
+  <p:clrMapOvr>
+    <a:masterClrMapping/>
+  </p:clrMapOvr>
+</p:sld>
+</file>
+
+<file path=ppt/slides/slide17.xml><?xml version="1.0" encoding="utf-8"?>
+<p:sld xmlns:a="http://schemas.openxmlformats.org/drawingml/2006/main" xmlns:r="http://schemas.openxmlformats.org/officeDocument/2006/relationships" xmlns:p="http://schemas.openxmlformats.org/presentationml/2006/main">
+  <p:cSld>
+    <p:spTree>
+      <p:nvGrpSpPr>
+        <p:cNvPr id="1" name=""/>
+        <p:cNvGrpSpPr/>
+        <p:nvPr/>
+      </p:nvGrpSpPr>
+      <p:grpSpPr>
+        <a:xfrm>
+          <a:off x="0" y="0"/>
+          <a:ext cx="0" cy="0"/>
+          <a:chOff x="0" y="0"/>
+          <a:chExt cx="0" cy="0"/>
+        </a:xfrm>
+      </p:grpSpPr>
+    </p:spTree>
+    <p:extLst>
+      <p:ext uri="{BB962C8B-B14F-4D97-AF65-F5344CB8AC3E}">
+        <p14:creationId xmlns:p14="http://schemas.microsoft.com/office/powerpoint/2010/main" val="3280988182"/>
+      </p:ext>
+    </p:extLst>
+  </p:cSld>
+  <p:clrMapOvr>
+    <a:masterClrMapping/>
+  </p:clrMapOvr>
+</p:sld>
+</file>
+
+<file path=ppt/slides/slide18.xml><?xml version="1.0" encoding="utf-8"?>
+<p:sld xmlns:a="http://schemas.openxmlformats.org/drawingml/2006/main" xmlns:r="http://schemas.openxmlformats.org/officeDocument/2006/relationships" xmlns:p="http://schemas.openxmlformats.org/presentationml/2006/main">
+  <p:cSld>
+    <p:spTree>
+      <p:nvGrpSpPr>
+        <p:cNvPr id="1" name=""/>
+        <p:cNvGrpSpPr/>
+        <p:nvPr/>
+      </p:nvGrpSpPr>
+      <p:grpSpPr>
+        <a:xfrm>
+          <a:off x="0" y="0"/>
+          <a:ext cx="0" cy="0"/>
+          <a:chOff x="0" y="0"/>
+          <a:chExt cx="0" cy="0"/>
+        </a:xfrm>
+      </p:grpSpPr>
+    </p:spTree>
+    <p:extLst>
+      <p:ext uri="{BB962C8B-B14F-4D97-AF65-F5344CB8AC3E}">
+        <p14:creationId xmlns:p14="http://schemas.microsoft.com/office/powerpoint/2010/main" val="3861719899"/>
+      </p:ext>
+    </p:extLst>
+  </p:cSld>
+  <p:clrMapOvr>
+    <a:masterClrMapping/>
+  </p:clrMapOvr>
+</p:sld>
+</file>
+
+<file path=ppt/slides/slide19.xml><?xml version="1.0" encoding="utf-8"?>
+<p:sld xmlns:a="http://schemas.openxmlformats.org/drawingml/2006/main" xmlns:r="http://schemas.openxmlformats.org/officeDocument/2006/relationships" xmlns:p="http://schemas.openxmlformats.org/presentationml/2006/main">
+  <p:cSld>
+    <p:spTree>
+      <p:nvGrpSpPr>
+        <p:cNvPr id="1" name=""/>
+        <p:cNvGrpSpPr/>
+        <p:nvPr/>
+      </p:nvGrpSpPr>
+      <p:grpSpPr>
+        <a:xfrm>
+          <a:off x="0" y="0"/>
+          <a:ext cx="0" cy="0"/>
+          <a:chOff x="0" y="0"/>
+          <a:chExt cx="0" cy="0"/>
+        </a:xfrm>
+      </p:grpSpPr>
+    </p:spTree>
+    <p:extLst>
+      <p:ext uri="{BB962C8B-B14F-4D97-AF65-F5344CB8AC3E}">
+        <p14:creationId xmlns:p14="http://schemas.microsoft.com/office/powerpoint/2010/main" val="2417203653"/>
+      </p:ext>
+    </p:extLst>
+  </p:cSld>
+  <p:clrMapOvr>
+    <a:masterClrMapping/>
+  </p:clrMapOvr>
+</p:sld>
+</file>
+
 <file path=ppt/slides/slide2.xml><?xml version="1.0" encoding="utf-8"?>
 <p:sld xmlns:a="http://schemas.openxmlformats.org/drawingml/2006/main" xmlns:r="http://schemas.openxmlformats.org/officeDocument/2006/relationships" xmlns:p="http://schemas.openxmlformats.org/presentationml/2006/main">
   <p:cSld>
@@ -3222,6 +3480,306 @@
 </p:sld>
 </file>
 
+<file path=ppt/slides/slide20.xml><?xml version="1.0" encoding="utf-8"?>
+<p:sld xmlns:a="http://schemas.openxmlformats.org/drawingml/2006/main" xmlns:r="http://schemas.openxmlformats.org/officeDocument/2006/relationships" xmlns:p="http://schemas.openxmlformats.org/presentationml/2006/main">
+  <p:cSld>
+    <p:spTree>
+      <p:nvGrpSpPr>
+        <p:cNvPr id="1" name=""/>
+        <p:cNvGrpSpPr/>
+        <p:nvPr/>
+      </p:nvGrpSpPr>
+      <p:grpSpPr>
+        <a:xfrm>
+          <a:off x="0" y="0"/>
+          <a:ext cx="0" cy="0"/>
+          <a:chOff x="0" y="0"/>
+          <a:chExt cx="0" cy="0"/>
+        </a:xfrm>
+      </p:grpSpPr>
+    </p:spTree>
+    <p:extLst>
+      <p:ext uri="{BB962C8B-B14F-4D97-AF65-F5344CB8AC3E}">
+        <p14:creationId xmlns:p14="http://schemas.microsoft.com/office/powerpoint/2010/main" val="2218875538"/>
+      </p:ext>
+    </p:extLst>
+  </p:cSld>
+  <p:clrMapOvr>
+    <a:masterClrMapping/>
+  </p:clrMapOvr>
+</p:sld>
+</file>
+
+<file path=ppt/slides/slide21.xml><?xml version="1.0" encoding="utf-8"?>
+<p:sld xmlns:a="http://schemas.openxmlformats.org/drawingml/2006/main" xmlns:r="http://schemas.openxmlformats.org/officeDocument/2006/relationships" xmlns:p="http://schemas.openxmlformats.org/presentationml/2006/main">
+  <p:cSld>
+    <p:spTree>
+      <p:nvGrpSpPr>
+        <p:cNvPr id="1" name=""/>
+        <p:cNvGrpSpPr/>
+        <p:nvPr/>
+      </p:nvGrpSpPr>
+      <p:grpSpPr>
+        <a:xfrm>
+          <a:off x="0" y="0"/>
+          <a:ext cx="0" cy="0"/>
+          <a:chOff x="0" y="0"/>
+          <a:chExt cx="0" cy="0"/>
+        </a:xfrm>
+      </p:grpSpPr>
+    </p:spTree>
+    <p:extLst>
+      <p:ext uri="{BB962C8B-B14F-4D97-AF65-F5344CB8AC3E}">
+        <p14:creationId xmlns:p14="http://schemas.microsoft.com/office/powerpoint/2010/main" val="2712087583"/>
+      </p:ext>
+    </p:extLst>
+  </p:cSld>
+  <p:clrMapOvr>
+    <a:masterClrMapping/>
+  </p:clrMapOvr>
+</p:sld>
+</file>
+
+<file path=ppt/slides/slide22.xml><?xml version="1.0" encoding="utf-8"?>
+<p:sld xmlns:a="http://schemas.openxmlformats.org/drawingml/2006/main" xmlns:r="http://schemas.openxmlformats.org/officeDocument/2006/relationships" xmlns:p="http://schemas.openxmlformats.org/presentationml/2006/main">
+  <p:cSld>
+    <p:spTree>
+      <p:nvGrpSpPr>
+        <p:cNvPr id="1" name=""/>
+        <p:cNvGrpSpPr/>
+        <p:nvPr/>
+      </p:nvGrpSpPr>
+      <p:grpSpPr>
+        <a:xfrm>
+          <a:off x="0" y="0"/>
+          <a:ext cx="0" cy="0"/>
+          <a:chOff x="0" y="0"/>
+          <a:chExt cx="0" cy="0"/>
+        </a:xfrm>
+      </p:grpSpPr>
+    </p:spTree>
+    <p:extLst>
+      <p:ext uri="{BB962C8B-B14F-4D97-AF65-F5344CB8AC3E}">
+        <p14:creationId xmlns:p14="http://schemas.microsoft.com/office/powerpoint/2010/main" val="2113608724"/>
+      </p:ext>
+    </p:extLst>
+  </p:cSld>
+  <p:clrMapOvr>
+    <a:masterClrMapping/>
+  </p:clrMapOvr>
+</p:sld>
+</file>
+
+<file path=ppt/slides/slide23.xml><?xml version="1.0" encoding="utf-8"?>
+<p:sld xmlns:a="http://schemas.openxmlformats.org/drawingml/2006/main" xmlns:r="http://schemas.openxmlformats.org/officeDocument/2006/relationships" xmlns:p="http://schemas.openxmlformats.org/presentationml/2006/main">
+  <p:cSld>
+    <p:spTree>
+      <p:nvGrpSpPr>
+        <p:cNvPr id="1" name=""/>
+        <p:cNvGrpSpPr/>
+        <p:nvPr/>
+      </p:nvGrpSpPr>
+      <p:grpSpPr>
+        <a:xfrm>
+          <a:off x="0" y="0"/>
+          <a:ext cx="0" cy="0"/>
+          <a:chOff x="0" y="0"/>
+          <a:chExt cx="0" cy="0"/>
+        </a:xfrm>
+      </p:grpSpPr>
+    </p:spTree>
+    <p:extLst>
+      <p:ext uri="{BB962C8B-B14F-4D97-AF65-F5344CB8AC3E}">
+        <p14:creationId xmlns:p14="http://schemas.microsoft.com/office/powerpoint/2010/main" val="2482580733"/>
+      </p:ext>
+    </p:extLst>
+  </p:cSld>
+  <p:clrMapOvr>
+    <a:masterClrMapping/>
+  </p:clrMapOvr>
+</p:sld>
+</file>
+
+<file path=ppt/slides/slide24.xml><?xml version="1.0" encoding="utf-8"?>
+<p:sld xmlns:a="http://schemas.openxmlformats.org/drawingml/2006/main" xmlns:r="http://schemas.openxmlformats.org/officeDocument/2006/relationships" xmlns:p="http://schemas.openxmlformats.org/presentationml/2006/main">
+  <p:cSld>
+    <p:spTree>
+      <p:nvGrpSpPr>
+        <p:cNvPr id="1" name=""/>
+        <p:cNvGrpSpPr/>
+        <p:nvPr/>
+      </p:nvGrpSpPr>
+      <p:grpSpPr>
+        <a:xfrm>
+          <a:off x="0" y="0"/>
+          <a:ext cx="0" cy="0"/>
+          <a:chOff x="0" y="0"/>
+          <a:chExt cx="0" cy="0"/>
+        </a:xfrm>
+      </p:grpSpPr>
+    </p:spTree>
+    <p:extLst>
+      <p:ext uri="{BB962C8B-B14F-4D97-AF65-F5344CB8AC3E}">
+        <p14:creationId xmlns:p14="http://schemas.microsoft.com/office/powerpoint/2010/main" val="23950389"/>
+      </p:ext>
+    </p:extLst>
+  </p:cSld>
+  <p:clrMapOvr>
+    <a:masterClrMapping/>
+  </p:clrMapOvr>
+</p:sld>
+</file>
+
+<file path=ppt/slides/slide25.xml><?xml version="1.0" encoding="utf-8"?>
+<p:sld xmlns:a="http://schemas.openxmlformats.org/drawingml/2006/main" xmlns:r="http://schemas.openxmlformats.org/officeDocument/2006/relationships" xmlns:p="http://schemas.openxmlformats.org/presentationml/2006/main">
+  <p:cSld>
+    <p:spTree>
+      <p:nvGrpSpPr>
+        <p:cNvPr id="1" name=""/>
+        <p:cNvGrpSpPr/>
+        <p:nvPr/>
+      </p:nvGrpSpPr>
+      <p:grpSpPr>
+        <a:xfrm>
+          <a:off x="0" y="0"/>
+          <a:ext cx="0" cy="0"/>
+          <a:chOff x="0" y="0"/>
+          <a:chExt cx="0" cy="0"/>
+        </a:xfrm>
+      </p:grpSpPr>
+    </p:spTree>
+    <p:extLst>
+      <p:ext uri="{BB962C8B-B14F-4D97-AF65-F5344CB8AC3E}">
+        <p14:creationId xmlns:p14="http://schemas.microsoft.com/office/powerpoint/2010/main" val="3002537751"/>
+      </p:ext>
+    </p:extLst>
+  </p:cSld>
+  <p:clrMapOvr>
+    <a:masterClrMapping/>
+  </p:clrMapOvr>
+</p:sld>
+</file>
+
+<file path=ppt/slides/slide26.xml><?xml version="1.0" encoding="utf-8"?>
+<p:sld xmlns:a="http://schemas.openxmlformats.org/drawingml/2006/main" xmlns:r="http://schemas.openxmlformats.org/officeDocument/2006/relationships" xmlns:p="http://schemas.openxmlformats.org/presentationml/2006/main">
+  <p:cSld>
+    <p:spTree>
+      <p:nvGrpSpPr>
+        <p:cNvPr id="1" name=""/>
+        <p:cNvGrpSpPr/>
+        <p:nvPr/>
+      </p:nvGrpSpPr>
+      <p:grpSpPr>
+        <a:xfrm>
+          <a:off x="0" y="0"/>
+          <a:ext cx="0" cy="0"/>
+          <a:chOff x="0" y="0"/>
+          <a:chExt cx="0" cy="0"/>
+        </a:xfrm>
+      </p:grpSpPr>
+    </p:spTree>
+    <p:extLst>
+      <p:ext uri="{BB962C8B-B14F-4D97-AF65-F5344CB8AC3E}">
+        <p14:creationId xmlns:p14="http://schemas.microsoft.com/office/powerpoint/2010/main" val="2654316375"/>
+      </p:ext>
+    </p:extLst>
+  </p:cSld>
+  <p:clrMapOvr>
+    <a:masterClrMapping/>
+  </p:clrMapOvr>
+</p:sld>
+</file>
+
+<file path=ppt/slides/slide27.xml><?xml version="1.0" encoding="utf-8"?>
+<p:sld xmlns:a="http://schemas.openxmlformats.org/drawingml/2006/main" xmlns:r="http://schemas.openxmlformats.org/officeDocument/2006/relationships" xmlns:p="http://schemas.openxmlformats.org/presentationml/2006/main">
+  <p:cSld>
+    <p:spTree>
+      <p:nvGrpSpPr>
+        <p:cNvPr id="1" name=""/>
+        <p:cNvGrpSpPr/>
+        <p:nvPr/>
+      </p:nvGrpSpPr>
+      <p:grpSpPr>
+        <a:xfrm>
+          <a:off x="0" y="0"/>
+          <a:ext cx="0" cy="0"/>
+          <a:chOff x="0" y="0"/>
+          <a:chExt cx="0" cy="0"/>
+        </a:xfrm>
+      </p:grpSpPr>
+    </p:spTree>
+    <p:extLst>
+      <p:ext uri="{BB962C8B-B14F-4D97-AF65-F5344CB8AC3E}">
+        <p14:creationId xmlns:p14="http://schemas.microsoft.com/office/powerpoint/2010/main" val="2765656582"/>
+      </p:ext>
+    </p:extLst>
+  </p:cSld>
+  <p:clrMapOvr>
+    <a:masterClrMapping/>
+  </p:clrMapOvr>
+</p:sld>
+</file>
+
+<file path=ppt/slides/slide28.xml><?xml version="1.0" encoding="utf-8"?>
+<p:sld xmlns:a="http://schemas.openxmlformats.org/drawingml/2006/main" xmlns:r="http://schemas.openxmlformats.org/officeDocument/2006/relationships" xmlns:p="http://schemas.openxmlformats.org/presentationml/2006/main">
+  <p:cSld>
+    <p:spTree>
+      <p:nvGrpSpPr>
+        <p:cNvPr id="1" name=""/>
+        <p:cNvGrpSpPr/>
+        <p:nvPr/>
+      </p:nvGrpSpPr>
+      <p:grpSpPr>
+        <a:xfrm>
+          <a:off x="0" y="0"/>
+          <a:ext cx="0" cy="0"/>
+          <a:chOff x="0" y="0"/>
+          <a:chExt cx="0" cy="0"/>
+        </a:xfrm>
+      </p:grpSpPr>
+    </p:spTree>
+    <p:extLst>
+      <p:ext uri="{BB962C8B-B14F-4D97-AF65-F5344CB8AC3E}">
+        <p14:creationId xmlns:p14="http://schemas.microsoft.com/office/powerpoint/2010/main" val="4008589923"/>
+      </p:ext>
+    </p:extLst>
+  </p:cSld>
+  <p:clrMapOvr>
+    <a:masterClrMapping/>
+  </p:clrMapOvr>
+</p:sld>
+</file>
+
+<file path=ppt/slides/slide29.xml><?xml version="1.0" encoding="utf-8"?>
+<p:sld xmlns:a="http://schemas.openxmlformats.org/drawingml/2006/main" xmlns:r="http://schemas.openxmlformats.org/officeDocument/2006/relationships" xmlns:p="http://schemas.openxmlformats.org/presentationml/2006/main">
+  <p:cSld>
+    <p:spTree>
+      <p:nvGrpSpPr>
+        <p:cNvPr id="1" name=""/>
+        <p:cNvGrpSpPr/>
+        <p:nvPr/>
+      </p:nvGrpSpPr>
+      <p:grpSpPr>
+        <a:xfrm>
+          <a:off x="0" y="0"/>
+          <a:ext cx="0" cy="0"/>
+          <a:chOff x="0" y="0"/>
+          <a:chExt cx="0" cy="0"/>
+        </a:xfrm>
+      </p:grpSpPr>
+    </p:spTree>
+    <p:extLst>
+      <p:ext uri="{BB962C8B-B14F-4D97-AF65-F5344CB8AC3E}">
+        <p14:creationId xmlns:p14="http://schemas.microsoft.com/office/powerpoint/2010/main" val="1883979008"/>
+      </p:ext>
+    </p:extLst>
+  </p:cSld>
+  <p:clrMapOvr>
+    <a:masterClrMapping/>
+  </p:clrMapOvr>
+</p:sld>
+</file>
+
 <file path=ppt/slides/slide3.xml><?xml version="1.0" encoding="utf-8"?>
 <p:sld xmlns:a="http://schemas.openxmlformats.org/drawingml/2006/main" xmlns:r="http://schemas.openxmlformats.org/officeDocument/2006/relationships" xmlns:p="http://schemas.openxmlformats.org/presentationml/2006/main">
   <p:cSld>
@@ -3863,6 +4421,102 @@
           <a:chExt cx="0" cy="0"/>
         </a:xfrm>
       </p:grpSpPr>
+      <p:pic>
+        <p:nvPicPr>
+          <p:cNvPr id="2" name="그림 1"/>
+          <p:cNvPicPr>
+            <a:picLocks noChangeAspect="1"/>
+          </p:cNvPicPr>
+          <p:nvPr/>
+        </p:nvPicPr>
+        <p:blipFill>
+          <a:blip r:embed="rId2"/>
+          <a:stretch>
+            <a:fillRect/>
+          </a:stretch>
+        </p:blipFill>
+        <p:spPr>
+          <a:xfrm>
+            <a:off x="0" y="150222"/>
+            <a:ext cx="10051651" cy="1409822"/>
+          </a:xfrm>
+          <a:prstGeom prst="rect">
+            <a:avLst/>
+          </a:prstGeom>
+        </p:spPr>
+      </p:pic>
+      <p:pic>
+        <p:nvPicPr>
+          <p:cNvPr id="3" name="그림 2"/>
+          <p:cNvPicPr>
+            <a:picLocks noChangeAspect="1"/>
+          </p:cNvPicPr>
+          <p:nvPr/>
+        </p:nvPicPr>
+        <p:blipFill>
+          <a:blip r:embed="rId3"/>
+          <a:stretch>
+            <a:fillRect/>
+          </a:stretch>
+        </p:blipFill>
+        <p:spPr>
+          <a:xfrm>
+            <a:off x="141073" y="1736400"/>
+            <a:ext cx="7422523" cy="2606266"/>
+          </a:xfrm>
+          <a:prstGeom prst="rect">
+            <a:avLst/>
+          </a:prstGeom>
+        </p:spPr>
+      </p:pic>
+      <p:pic>
+        <p:nvPicPr>
+          <p:cNvPr id="4" name="그림 3"/>
+          <p:cNvPicPr>
+            <a:picLocks noChangeAspect="1"/>
+          </p:cNvPicPr>
+          <p:nvPr/>
+        </p:nvPicPr>
+        <p:blipFill>
+          <a:blip r:embed="rId4"/>
+          <a:stretch>
+            <a:fillRect/>
+          </a:stretch>
+        </p:blipFill>
+        <p:spPr>
+          <a:xfrm>
+            <a:off x="845124" y="5005039"/>
+            <a:ext cx="6302286" cy="708721"/>
+          </a:xfrm>
+          <a:prstGeom prst="rect">
+            <a:avLst/>
+          </a:prstGeom>
+        </p:spPr>
+      </p:pic>
+      <p:pic>
+        <p:nvPicPr>
+          <p:cNvPr id="5" name="그림 4"/>
+          <p:cNvPicPr>
+            <a:picLocks noChangeAspect="1"/>
+          </p:cNvPicPr>
+          <p:nvPr/>
+        </p:nvPicPr>
+        <p:blipFill>
+          <a:blip r:embed="rId5"/>
+          <a:stretch>
+            <a:fillRect/>
+          </a:stretch>
+        </p:blipFill>
+        <p:spPr>
+          <a:xfrm>
+            <a:off x="8023283" y="3804458"/>
+            <a:ext cx="3528366" cy="891617"/>
+          </a:xfrm>
+          <a:prstGeom prst="rect">
+            <a:avLst/>
+          </a:prstGeom>
+        </p:spPr>
+      </p:pic>
     </p:spTree>
     <p:extLst>
       <p:ext uri="{BB962C8B-B14F-4D97-AF65-F5344CB8AC3E}">
@@ -3893,6 +4547,30 @@
           <a:chExt cx="0" cy="0"/>
         </a:xfrm>
       </p:grpSpPr>
+      <p:pic>
+        <p:nvPicPr>
+          <p:cNvPr id="2" name="그림 1"/>
+          <p:cNvPicPr>
+            <a:picLocks noChangeAspect="1"/>
+          </p:cNvPicPr>
+          <p:nvPr/>
+        </p:nvPicPr>
+        <p:blipFill>
+          <a:blip r:embed="rId2"/>
+          <a:stretch>
+            <a:fillRect/>
+          </a:stretch>
+        </p:blipFill>
+        <p:spPr>
+          <a:xfrm>
+            <a:off x="112235" y="386245"/>
+            <a:ext cx="8580864" cy="5966977"/>
+          </a:xfrm>
+          <a:prstGeom prst="rect">
+            <a:avLst/>
+          </a:prstGeom>
+        </p:spPr>
+      </p:pic>
     </p:spTree>
     <p:extLst>
       <p:ext uri="{BB962C8B-B14F-4D97-AF65-F5344CB8AC3E}">
@@ -3923,6 +4601,136 @@
           <a:chExt cx="0" cy="0"/>
         </a:xfrm>
       </p:grpSpPr>
+      <p:sp>
+        <p:nvSpPr>
+          <p:cNvPr id="2" name="TextBox 1"/>
+          <p:cNvSpPr txBox="1"/>
+          <p:nvPr/>
+        </p:nvSpPr>
+        <p:spPr>
+          <a:xfrm>
+            <a:off x="-74990" y="376646"/>
+            <a:ext cx="16983432" cy="4524315"/>
+          </a:xfrm>
+          <a:prstGeom prst="rect">
+            <a:avLst/>
+          </a:prstGeom>
+          <a:noFill/>
+        </p:spPr>
+        <p:txBody>
+          <a:bodyPr wrap="none" rtlCol="0">
+            <a:spAutoFit/>
+          </a:bodyPr>
+          <a:lstStyle/>
+          <a:p>
+            <a:r>
+              <a:rPr lang="en-US" altLang="ko-KR" dirty="0"/>
+              <a:t>Attempted to add more sync issues when the </a:t>
+            </a:r>
+            <a:r>
+              <a:rPr lang="en-US" altLang="ko-KR" dirty="0" err="1"/>
+              <a:t>SyncIssueRegistry</a:t>
+            </a:r>
+            <a:r>
+              <a:rPr lang="en-US" altLang="ko-KR" dirty="0"/>
+              <a:t> was sealed!</a:t>
+            </a:r>
+          </a:p>
+          <a:p>
+            <a:endParaRPr lang="en-US" altLang="ko-KR" dirty="0"/>
+          </a:p>
+          <a:p>
+            <a:r>
+              <a:rPr lang="en-US" altLang="ko-KR" dirty="0" err="1"/>
+              <a:t>java.lang.IllegalStateException</a:t>
+            </a:r>
+            <a:endParaRPr lang="en-US" altLang="ko-KR" dirty="0"/>
+          </a:p>
+          <a:p>
+            <a:r>
+              <a:rPr lang="en-US" altLang="ko-KR" dirty="0"/>
+              <a:t>	at com.android.tools.idea.gradle.project.sync.issues.SyncIssueRegistry.register(SyncIssues.kt:47)</a:t>
+            </a:r>
+          </a:p>
+          <a:p>
+            <a:r>
+              <a:rPr lang="en-US" altLang="ko-KR" dirty="0"/>
+              <a:t>	at com.android.tools.idea.gradle.project.sync.issues.SyncIssues.registerSyncIssues(SyncIssues.kt:72)</a:t>
+            </a:r>
+          </a:p>
+          <a:p>
+            <a:r>
+              <a:rPr lang="en-US" altLang="ko-KR" dirty="0"/>
+              <a:t>	at com.android.tools.idea.gradle.project.sync.setup.module.AndroidModuleSetup.beforeSetup(AndroidModuleSetup.java:43)</a:t>
+            </a:r>
+          </a:p>
+          <a:p>
+            <a:r>
+              <a:rPr lang="en-US" altLang="ko-KR" dirty="0"/>
+              <a:t>	at com.android.tools.idea.gradle.project.sync.setup.module.AndroidModuleSetup.beforeSetup(AndroidModuleSetup.java:28)</a:t>
+            </a:r>
+          </a:p>
+          <a:p>
+            <a:r>
+              <a:rPr lang="en-US" altLang="ko-KR" dirty="0"/>
+              <a:t>	at com.android.tools.idea.gradle.project.sync.setup.module.common.BaseSetup.setUpModule(BaseSetup.java:33)</a:t>
+            </a:r>
+          </a:p>
+          <a:p>
+            <a:r>
+              <a:rPr lang="en-US" altLang="ko-KR" dirty="0"/>
+              <a:t>	at com.android.tools.idea.gradle.project.sync.idea.data.service.AndroidModuleModelDataService.setUpModule(AndroidModuleModelDataService.java:91)</a:t>
+            </a:r>
+          </a:p>
+          <a:p>
+            <a:r>
+              <a:rPr lang="en-US" altLang="ko-KR" dirty="0"/>
+              <a:t>	at com.android.tools.idea.gradle.project.sync.idea.data.service.AndroidModuleModelDataService.importData(AndroidModuleModelDataService.java:77)</a:t>
+            </a:r>
+          </a:p>
+          <a:p>
+            <a:r>
+              <a:rPr lang="en-US" altLang="ko-KR" dirty="0"/>
+              <a:t>	at com.android.tools.idea.gradle.project.sync.idea.data.service.ModuleModelDataService.lambda$importData$0(ModuleModelDataService.java:79)</a:t>
+            </a:r>
+          </a:p>
+          <a:p>
+            <a:r>
+              <a:rPr lang="en-US" altLang="ko-KR" dirty="0"/>
+              <a:t>	at com.intellij.openapi.command.WriteCommandAction.lambda$runWriteCommandAction$5(WriteCommandAction.java:368)</a:t>
+            </a:r>
+          </a:p>
+          <a:p>
+            <a:r>
+              <a:rPr lang="en-US" altLang="ko-KR" dirty="0"/>
+              <a:t>	at com.intellij.openapi.command.WriteCommandAction$BuilderImpl$1.run(WriteCommandAction.java:125)</a:t>
+            </a:r>
+          </a:p>
+          <a:p>
+            <a:r>
+              <a:rPr lang="en-US" altLang="ko-KR" dirty="0"/>
+              <a:t>	at </a:t>
+            </a:r>
+            <a:r>
+              <a:rPr lang="en-US" altLang="ko-KR" dirty="0" err="1"/>
+              <a:t>com.intellij.openapi.application.RunResult.run</a:t>
+            </a:r>
+            <a:r>
+              <a:rPr lang="en-US" altLang="ko-KR" dirty="0"/>
+              <a:t>(RunResult.java:35)</a:t>
+            </a:r>
+          </a:p>
+          <a:p>
+            <a:r>
+              <a:rPr lang="en-US" altLang="ko-KR" dirty="0"/>
+              <a:t>	at com.intellij.openapi.command.WriteCommandAction.lambda$null$1(WriteCommandAction.java:264)</a:t>
+            </a:r>
+          </a:p>
+          <a:p>
+            <a:endParaRPr lang="ko-KR" altLang="en-US" dirty="0"/>
+          </a:p>
+        </p:txBody>
+      </p:sp>
     </p:spTree>
     <p:extLst>
       <p:ext uri="{BB962C8B-B14F-4D97-AF65-F5344CB8AC3E}">
@@ -3953,6 +4761,30 @@
           <a:chExt cx="0" cy="0"/>
         </a:xfrm>
       </p:grpSpPr>
+      <p:pic>
+        <p:nvPicPr>
+          <p:cNvPr id="2" name="그림 1"/>
+          <p:cNvPicPr>
+            <a:picLocks noChangeAspect="1"/>
+          </p:cNvPicPr>
+          <p:nvPr/>
+        </p:nvPicPr>
+        <p:blipFill>
+          <a:blip r:embed="rId2"/>
+          <a:stretch>
+            <a:fillRect/>
+          </a:stretch>
+        </p:blipFill>
+        <p:spPr>
+          <a:xfrm>
+            <a:off x="3352562" y="3173708"/>
+            <a:ext cx="5486875" cy="510584"/>
+          </a:xfrm>
+          <a:prstGeom prst="rect">
+            <a:avLst/>
+          </a:prstGeom>
+        </p:spPr>
+      </p:pic>
     </p:spTree>
     <p:extLst>
       <p:ext uri="{BB962C8B-B14F-4D97-AF65-F5344CB8AC3E}">

--- a/Trouble-Shooting/TroubleShooting-springboot.pptx
+++ b/Trouble-Shooting/TroubleShooting-springboot.pptx
@@ -4461,7 +4461,7 @@
         </p:blipFill>
         <p:spPr>
           <a:xfrm>
-            <a:off x="141073" y="1736400"/>
+            <a:off x="166473" y="1770266"/>
             <a:ext cx="7422523" cy="2606266"/>
           </a:xfrm>
           <a:prstGeom prst="rect">
